--- a/Problem_Statement_Worksheet_Monalco Mining.pptx
+++ b/Problem_Statement_Worksheet_Monalco Mining.pptx
@@ -257,7 +257,7 @@
       </p15:sldGuideLst>
     </p:ext>
     <p:ext uri="http://customooxmlschemas.google.com/">
-      <go:slidesCustomData xmlns:go="http://customooxmlschemas.google.com/" xmlns:p15="http://schemas.microsoft.com/office/powerpoint/2012/main" xmlns:p14="http://schemas.microsoft.com/office/powerpoint/2010/main" xmlns:com="http://schemas.openxmlformats.org/drawingml/2006/compatibility" xmlns:pvml="urn:schemas-microsoft-com:office:powerpoint" xmlns:v="urn:schemas-microsoft-com:vml" xmlns:o="urn:schemas-microsoft-com:office:office" xmlns:dgm="http://schemas.openxmlformats.org/drawingml/2006/diagram" xmlns:c="http://schemas.openxmlformats.org/drawingml/2006/chart" xmlns:mv="urn:schemas-microsoft-com:mac:vml" xmlns:mc="http://schemas.openxmlformats.org/markup-compatibility/2006" xmlns="" r:id="rId7" roundtripDataSignature="AMtx7mjdo7FECp685JsX7/4pIVeoAktjNA=="/>
+      <go:slidesCustomData xmlns="" xmlns:mc="http://schemas.openxmlformats.org/markup-compatibility/2006" xmlns:mv="urn:schemas-microsoft-com:mac:vml" xmlns:c="http://schemas.openxmlformats.org/drawingml/2006/chart" xmlns:dgm="http://schemas.openxmlformats.org/drawingml/2006/diagram" xmlns:o="urn:schemas-microsoft-com:office:office" xmlns:v="urn:schemas-microsoft-com:vml" xmlns:pvml="urn:schemas-microsoft-com:office:powerpoint" xmlns:com="http://schemas.openxmlformats.org/drawingml/2006/compatibility" xmlns:p14="http://schemas.microsoft.com/office/powerpoint/2010/main" xmlns:p15="http://schemas.microsoft.com/office/powerpoint/2012/main" xmlns:go="http://customooxmlschemas.google.com/" r:id="rId7" roundtripDataSignature="AMtx7mjdo7FECp685JsX7/4pIVeoAktjNA=="/>
     </p:ext>
   </p:extLst>
 </p:presentation>
@@ -4772,21 +4772,10 @@
           </a:bodyPr>
           <a:lstStyle/>
           <a:p>
-            <a:pPr marL="0" marR="0" lvl="0" indent="0" algn="l" rtl="0">
-              <a:lnSpc>
-                <a:spcPct val="100000"/>
-              </a:lnSpc>
-              <a:spcBef>
-                <a:spcPts val="0"/>
-              </a:spcBef>
-              <a:spcAft>
-                <a:spcPts val="0"/>
-              </a:spcAft>
-              <a:buNone/>
-            </a:pPr>
+            <a:pPr lvl="0"/>
             <a:r>
               <a:rPr lang="en-US" sz="1200" dirty="0"/>
-              <a:t>Need to exhibit spending discipline and reduce operating costs.</a:t>
+              <a:t>Shave off ~ %20 worth of costs over the year w.r.t ore crusher maintenance, this will be enough of a buffer to weather future downward shifts in pricing.</a:t>
             </a:r>
           </a:p>
           <a:p>
@@ -4802,18 +4791,6 @@
               </a:spcAft>
               <a:buNone/>
             </a:pPr>
-            <a:r>
-              <a:rPr lang="en-US" sz="1200" i="0" u="none" strike="noStrike" cap="none" dirty="0">
-                <a:solidFill>
-                  <a:srgbClr val="000000"/>
-                </a:solidFill>
-                <a:latin typeface="Arial"/>
-                <a:ea typeface="Arial"/>
-                <a:cs typeface="Arial"/>
-                <a:sym typeface="Arial"/>
-              </a:rPr>
-              <a:t>Scale back the annual maintenance expenditure that meant to be maintained every 3 years instead of every year.</a:t>
-            </a:r>
             <a:endParaRPr sz="1200" i="0" u="none" strike="noStrike" cap="none" dirty="0">
               <a:solidFill>
                 <a:srgbClr val="000000"/>
@@ -4854,43 +4831,24 @@
             <a:pPr lvl="0"/>
             <a:r>
               <a:rPr lang="en-US" sz="1200" dirty="0"/>
-              <a:t>we’re able to shave off ~ %20 worth of costs over the year w.r.t ore crusher maintenance, this will be enough of a buffer to weather future downward shifts in pricing</a:t>
+              <a:t>Need to exhibit spending discipline and reduce operating costs.</a:t>
             </a:r>
-            <a:endParaRPr lang="en-US" sz="1200" b="0" i="0" u="none" strike="noStrike" cap="none" dirty="0">
-              <a:solidFill>
-                <a:srgbClr val="000000"/>
-              </a:solidFill>
-              <a:latin typeface="Arial"/>
-              <a:ea typeface="Arial"/>
-              <a:cs typeface="Arial"/>
-              <a:sym typeface="Arial"/>
-            </a:endParaRPr>
           </a:p>
           <a:p>
-            <a:pPr marL="0" marR="0" lvl="0" indent="0" algn="l" rtl="0">
-              <a:lnSpc>
-                <a:spcPct val="100000"/>
-              </a:lnSpc>
-              <a:spcBef>
-                <a:spcPts val="0"/>
-              </a:spcBef>
-              <a:spcAft>
-                <a:spcPts val="0"/>
-              </a:spcAft>
-              <a:buNone/>
-            </a:pPr>
+            <a:pPr lvl="0"/>
             <a:r>
-              <a:rPr lang="en-US" sz="1200" b="0" i="0" u="none" strike="noStrike" cap="none" dirty="0">
-                <a:solidFill>
-                  <a:srgbClr val="000000"/>
-                </a:solidFill>
-                <a:latin typeface="Arial"/>
-                <a:ea typeface="Arial"/>
-                <a:cs typeface="Arial"/>
-                <a:sym typeface="Arial"/>
-              </a:rPr>
+              <a:rPr lang="en-US" sz="1200" dirty="0"/>
+              <a:t>Scale back the annual maintenance expenditure that meant to be maintained every 3 years instead of every year.</a:t>
+            </a:r>
+          </a:p>
+          <a:p>
+            <a:r>
+              <a:rPr lang="en-US" sz="1200" dirty="0"/>
               <a:t>T3000DS, Ore crusher system.</a:t>
             </a:r>
+          </a:p>
+          <a:p>
+            <a:pPr lvl="0"/>
             <a:endParaRPr sz="1200" b="0" i="0" u="none" strike="noStrike" cap="none" dirty="0">
               <a:solidFill>
                 <a:srgbClr val="000000"/>
